--- a/Speech Recognition_First Draft.pptx
+++ b/Speech Recognition_First Draft.pptx
@@ -7908,14 +7908,14 @@
           <a:lstStyle/>
           <a:p>
             <a:r>
-              <a:rPr lang="en-US" dirty="0">
+              <a:rPr lang="en-US" sz="2000" dirty="0">
                 <a:latin typeface="Calibri" panose="020F0502020204030204" pitchFamily="34" charset="0"/>
                 <a:cs typeface="Calibri" panose="020F0502020204030204" pitchFamily="34" charset="0"/>
               </a:rPr>
               <a:t>2</a:t>
             </a:r>
             <a:r>
-              <a:rPr lang="en-US" dirty="0" smtClean="0">
+              <a:rPr lang="en-US" sz="2000" dirty="0" smtClean="0">
                 <a:latin typeface="Calibri" panose="020F0502020204030204" pitchFamily="34" charset="0"/>
                 <a:cs typeface="Calibri" panose="020F0502020204030204" pitchFamily="34" charset="0"/>
               </a:rPr>
@@ -7924,7 +7924,7 @@
           </a:p>
           <a:p>
             <a:r>
-              <a:rPr lang="en-US" dirty="0" smtClean="0">
+              <a:rPr lang="en-US" sz="2000" dirty="0" smtClean="0">
                 <a:latin typeface="Calibri" panose="020F0502020204030204" pitchFamily="34" charset="0"/>
                 <a:cs typeface="Calibri" panose="020F0502020204030204" pitchFamily="34" charset="0"/>
               </a:rPr>
@@ -7933,7 +7933,7 @@
           </a:p>
           <a:p>
             <a:r>
-              <a:rPr lang="en-US" dirty="0" smtClean="0">
+              <a:rPr lang="en-US" sz="2000" dirty="0" smtClean="0">
                 <a:latin typeface="Calibri" panose="020F0502020204030204" pitchFamily="34" charset="0"/>
                 <a:cs typeface="Calibri" panose="020F0502020204030204" pitchFamily="34" charset="0"/>
               </a:rPr>
@@ -7970,7 +7970,7 @@
         </p:blipFill>
         <p:spPr>
           <a:xfrm>
-            <a:off x="2024062" y="4498396"/>
+            <a:off x="1925637" y="4139045"/>
             <a:ext cx="9363075" cy="2276475"/>
           </a:xfrm>
           <a:prstGeom prst="rect">
@@ -8070,7 +8070,7 @@
           <a:lstStyle/>
           <a:p>
             <a:r>
-              <a:rPr lang="en-US" dirty="0" smtClean="0">
+              <a:rPr lang="en-US" sz="2000" dirty="0" smtClean="0">
                 <a:latin typeface="Calibri" panose="020F0502020204030204" pitchFamily="34" charset="0"/>
                 <a:cs typeface="Calibri" panose="020F0502020204030204" pitchFamily="34" charset="0"/>
               </a:rPr>
@@ -8079,24 +8079,17 @@
           </a:p>
           <a:p>
             <a:r>
-              <a:rPr lang="en-US" dirty="0" smtClean="0">
+              <a:rPr lang="en-US" sz="2000" dirty="0" smtClean="0">
                 <a:latin typeface="Calibri" panose="020F0502020204030204" pitchFamily="34" charset="0"/>
                 <a:cs typeface="Calibri" panose="020F0502020204030204" pitchFamily="34" charset="0"/>
               </a:rPr>
-              <a:t>Develop </a:t>
-            </a:r>
-            <a:r>
-              <a:rPr lang="en-US" dirty="0" smtClean="0">
-                <a:latin typeface="Calibri" panose="020F0502020204030204" pitchFamily="34" charset="0"/>
-                <a:cs typeface="Calibri" panose="020F0502020204030204" pitchFamily="34" charset="0"/>
-              </a:rPr>
-              <a:t>a model that best predicts the word</a:t>
+              <a:t>Develop a model that best predicts the word</a:t>
             </a:r>
           </a:p>
           <a:p>
             <a:pPr lvl="1"/>
             <a:r>
-              <a:rPr lang="en-US" dirty="0">
+              <a:rPr lang="en-US" sz="1800" dirty="0">
                 <a:latin typeface="Calibri" panose="020F0502020204030204" pitchFamily="34" charset="0"/>
                 <a:cs typeface="Calibri" panose="020F0502020204030204" pitchFamily="34" charset="0"/>
               </a:rPr>
@@ -8106,7 +8099,7 @@
           <a:p>
             <a:pPr lvl="1"/>
             <a:r>
-              <a:rPr lang="en-US" dirty="0" smtClean="0">
+              <a:rPr lang="en-US" sz="1800" dirty="0" smtClean="0">
                 <a:latin typeface="Calibri" panose="020F0502020204030204" pitchFamily="34" charset="0"/>
                 <a:cs typeface="Calibri" panose="020F0502020204030204" pitchFamily="34" charset="0"/>
               </a:rPr>
@@ -8115,7 +8108,7 @@
           </a:p>
           <a:p>
             <a:r>
-              <a:rPr lang="en-US" dirty="0" smtClean="0">
+              <a:rPr lang="en-US" sz="2000" dirty="0" smtClean="0">
                 <a:latin typeface="Calibri" panose="020F0502020204030204" pitchFamily="34" charset="0"/>
                 <a:cs typeface="Calibri" panose="020F0502020204030204" pitchFamily="34" charset="0"/>
               </a:rPr>
@@ -8124,28 +8117,17 @@
           </a:p>
           <a:p>
             <a:r>
-              <a:rPr lang="en-US" dirty="0" smtClean="0">
+              <a:rPr lang="en-US" sz="2000" dirty="0" smtClean="0">
                 <a:latin typeface="Calibri" panose="020F0502020204030204" pitchFamily="34" charset="0"/>
                 <a:cs typeface="Calibri" panose="020F0502020204030204" pitchFamily="34" charset="0"/>
               </a:rPr>
-              <a:t>Possible l</a:t>
-            </a:r>
-            <a:r>
-              <a:rPr lang="en-US" dirty="0" smtClean="0">
-                <a:latin typeface="Calibri" panose="020F0502020204030204" pitchFamily="34" charset="0"/>
-                <a:cs typeface="Calibri" panose="020F0502020204030204" pitchFamily="34" charset="0"/>
-              </a:rPr>
-              <a:t>imitations of the current model: </a:t>
-            </a:r>
-            <a:endParaRPr lang="en-US" dirty="0" smtClean="0">
-              <a:latin typeface="Calibri" panose="020F0502020204030204" pitchFamily="34" charset="0"/>
-              <a:cs typeface="Calibri" panose="020F0502020204030204" pitchFamily="34" charset="0"/>
-            </a:endParaRPr>
+              <a:t>Possible limitations of the current model: </a:t>
+            </a:r>
           </a:p>
           <a:p>
             <a:pPr lvl="1"/>
             <a:r>
-              <a:rPr lang="en-US" dirty="0" smtClean="0">
+              <a:rPr lang="en-US" sz="1800" dirty="0" smtClean="0">
                 <a:latin typeface="Calibri" panose="020F0502020204030204" pitchFamily="34" charset="0"/>
                 <a:cs typeface="Calibri" panose="020F0502020204030204" pitchFamily="34" charset="0"/>
               </a:rPr>
@@ -8155,20 +8137,20 @@
           <a:p>
             <a:pPr lvl="1"/>
             <a:r>
-              <a:rPr lang="en-US" dirty="0" smtClean="0">
+              <a:rPr lang="en-US" sz="1800" dirty="0" smtClean="0">
                 <a:latin typeface="Calibri" panose="020F0502020204030204" pitchFamily="34" charset="0"/>
                 <a:cs typeface="Calibri" panose="020F0502020204030204" pitchFamily="34" charset="0"/>
               </a:rPr>
               <a:t>The extrapolation of the model to the other words and real-life ASR (Automatic Speech recognition) models is not possible due to the limited data</a:t>
             </a:r>
-            <a:endParaRPr lang="en-US" dirty="0">
+            <a:endParaRPr lang="en-US" sz="1800" dirty="0">
               <a:latin typeface="Calibri" panose="020F0502020204030204" pitchFamily="34" charset="0"/>
               <a:cs typeface="Calibri" panose="020F0502020204030204" pitchFamily="34" charset="0"/>
             </a:endParaRPr>
           </a:p>
           <a:p>
             <a:pPr lvl="1"/>
-            <a:endParaRPr lang="en-US" dirty="0"/>
+            <a:endParaRPr lang="en-US" sz="1800" dirty="0"/>
           </a:p>
         </p:txBody>
       </p:sp>

--- a/Speech Recognition_First Draft.pptx
+++ b/Speech Recognition_First Draft.pptx
@@ -7899,12 +7899,14 @@
         </p:nvSpPr>
         <p:spPr>
           <a:xfrm>
-            <a:off x="1597820" y="2098963"/>
+            <a:off x="1597819" y="1946564"/>
             <a:ext cx="10018713" cy="4080165"/>
           </a:xfrm>
         </p:spPr>
         <p:txBody>
-          <a:bodyPr/>
+          <a:bodyPr>
+            <a:normAutofit/>
+          </a:bodyPr>
           <a:lstStyle/>
           <a:p>
             <a:r>
@@ -7941,16 +7943,16 @@
             </a:r>
           </a:p>
           <a:p>
-            <a:endParaRPr lang="en-US" dirty="0"/>
-          </a:p>
-          <a:p>
-            <a:endParaRPr lang="en-US" dirty="0" smtClean="0"/>
-          </a:p>
-          <a:p>
-            <a:endParaRPr lang="en-US" dirty="0"/>
-          </a:p>
-          <a:p>
-            <a:endParaRPr lang="en-US" dirty="0"/>
+            <a:endParaRPr lang="en-US" sz="2000" dirty="0"/>
+          </a:p>
+          <a:p>
+            <a:endParaRPr lang="en-US" sz="2000" dirty="0" smtClean="0"/>
+          </a:p>
+          <a:p>
+            <a:endParaRPr lang="en-US" sz="2000" dirty="0"/>
+          </a:p>
+          <a:p>
+            <a:endParaRPr lang="en-US" sz="2000" dirty="0"/>
           </a:p>
         </p:txBody>
       </p:sp>
@@ -7970,7 +7972,7 @@
         </p:blipFill>
         <p:spPr>
           <a:xfrm>
-            <a:off x="1925637" y="4139045"/>
+            <a:off x="1925637" y="4165887"/>
             <a:ext cx="9363075" cy="2276475"/>
           </a:xfrm>
           <a:prstGeom prst="rect">
